--- a/Discussions/Computer languages.pptx
+++ b/Discussions/Computer languages.pptx
@@ -929,7 +929,7 @@
                 </a:solidFill>
               </a:rPr>
               <a:pPr/>
-              <a:t>1/11/2023</a:t>
+              <a:t>1/30/2023</a:t>
             </a:fld>
             <a:endParaRPr lang="en-US">
               <a:solidFill>
@@ -1170,7 +1170,7 @@
                 </a:solidFill>
               </a:rPr>
               <a:pPr/>
-              <a:t>1/11/2023</a:t>
+              <a:t>1/30/2023</a:t>
             </a:fld>
             <a:endParaRPr lang="en-US">
               <a:solidFill>
@@ -1493,7 +1493,7 @@
                 </a:solidFill>
               </a:rPr>
               <a:pPr/>
-              <a:t>1/11/2023</a:t>
+              <a:t>1/30/2023</a:t>
             </a:fld>
             <a:endParaRPr lang="en-US">
               <a:solidFill>
@@ -1954,7 +1954,7 @@
                 </a:solidFill>
               </a:rPr>
               <a:pPr/>
-              <a:t>1/11/2023</a:t>
+              <a:t>1/30/2023</a:t>
             </a:fld>
             <a:endParaRPr lang="en-US">
               <a:solidFill>
@@ -2108,7 +2108,7 @@
                 </a:solidFill>
               </a:rPr>
               <a:pPr/>
-              <a:t>1/11/2023</a:t>
+              <a:t>1/30/2023</a:t>
             </a:fld>
             <a:endParaRPr lang="en-US">
               <a:solidFill>
@@ -2240,7 +2240,7 @@
                 </a:solidFill>
               </a:rPr>
               <a:pPr/>
-              <a:t>1/11/2023</a:t>
+              <a:t>1/30/2023</a:t>
             </a:fld>
             <a:endParaRPr lang="en-US">
               <a:solidFill>
@@ -2560,7 +2560,7 @@
           <a:p>
             <a:fld id="{216E0E02-55D8-4A62-964B-783B05293A72}" type="datetimeFigureOut">
               <a:rPr lang="es-HN" smtClean="0"/>
-              <a:t>11/1/2023</a:t>
+              <a:t>30/1/2023</a:t>
             </a:fld>
             <a:endParaRPr lang="es-HN"/>
           </a:p>
@@ -2815,7 +2815,7 @@
                 <a:cs typeface="Arial" charset="0"/>
               </a:rPr>
               <a:pPr eaLnBrk="1" hangingPunct="1"/>
-              <a:t>1/11/2023</a:t>
+              <a:t>1/30/2023</a:t>
             </a:fld>
             <a:endParaRPr lang="en-US">
               <a:solidFill>
@@ -3470,7 +3470,7 @@
               <a:buAutoNum type="arabicPeriod"/>
             </a:pPr>
             <a:r>
-              <a:rPr lang="en-US" sz="2800" dirty="0"/>
+              <a:rPr lang="en-US" sz="2400" dirty="0"/>
               <a:t>Pascal</a:t>
             </a:r>
           </a:p>
@@ -3480,11 +3480,11 @@
               <a:buAutoNum type="arabicPeriod"/>
             </a:pPr>
             <a:r>
-              <a:rPr lang="en-US" sz="2800" dirty="0" err="1"/>
+              <a:rPr lang="en-US" sz="2400" dirty="0" err="1"/>
               <a:t>HyperTalk</a:t>
             </a:r>
             <a:r>
-              <a:rPr lang="en-US" sz="2800" dirty="0"/>
+              <a:rPr lang="en-US" sz="2400" dirty="0"/>
               <a:t> in Apple HyperCard (before the world wide web!)</a:t>
             </a:r>
           </a:p>
@@ -3494,8 +3494,16 @@
               <a:buAutoNum type="arabicPeriod"/>
             </a:pPr>
             <a:r>
-              <a:rPr lang="en-US" sz="2800" dirty="0"/>
-              <a:t>Excel</a:t>
+              <a:rPr lang="en-US" sz="2400" dirty="0"/>
+              <a:t>C (to write code for use in </a:t>
+            </a:r>
+            <a:r>
+              <a:rPr lang="en-US" sz="2400" dirty="0" err="1"/>
+              <a:t>HyperTalk</a:t>
+            </a:r>
+            <a:r>
+              <a:rPr lang="en-US" sz="2400" dirty="0"/>
+              <a:t>)</a:t>
             </a:r>
           </a:p>
           <a:p>
@@ -3504,8 +3512,8 @@
               <a:buAutoNum type="arabicPeriod"/>
             </a:pPr>
             <a:r>
-              <a:rPr lang="en-US" sz="2800" dirty="0"/>
-              <a:t>Visual Basic</a:t>
+              <a:rPr lang="en-US" sz="2400" dirty="0"/>
+              <a:t>Excel</a:t>
             </a:r>
           </a:p>
           <a:p>
@@ -3514,8 +3522,8 @@
               <a:buAutoNum type="arabicPeriod"/>
             </a:pPr>
             <a:r>
-              <a:rPr lang="en-US" sz="2800" dirty="0"/>
-              <a:t>AutoCAD scripting (command line)</a:t>
+              <a:rPr lang="en-US" sz="2400" dirty="0"/>
+              <a:t>Visual Basic</a:t>
             </a:r>
           </a:p>
           <a:p>
@@ -3524,10 +3532,9 @@
               <a:buAutoNum type="arabicPeriod"/>
             </a:pPr>
             <a:r>
-              <a:rPr lang="en-US" sz="2800" dirty="0" err="1"/>
-              <a:t>MathCAD</a:t>
-            </a:r>
-            <a:endParaRPr lang="en-US" sz="2800" dirty="0"/>
+              <a:rPr lang="en-US" sz="2400" dirty="0"/>
+              <a:t>AutoCAD scripting (command line) and a </a:t>
+            </a:r>
           </a:p>
           <a:p>
             <a:pPr marL="514350" indent="-514350">
@@ -3535,8 +3542,8 @@
               <a:buAutoNum type="arabicPeriod"/>
             </a:pPr>
             <a:r>
-              <a:rPr lang="en-US" sz="2800" dirty="0"/>
-              <a:t>LabVIEW</a:t>
+              <a:rPr lang="en-US" sz="2400" dirty="0"/>
+              <a:t>Lisp (to create a custom function in AutoCAD)</a:t>
             </a:r>
           </a:p>
           <a:p>
@@ -3545,9 +3552,10 @@
               <a:buAutoNum type="arabicPeriod"/>
             </a:pPr>
             <a:r>
-              <a:rPr lang="en-US" sz="2800" dirty="0"/>
-              <a:t>Python</a:t>
-            </a:r>
+              <a:rPr lang="en-US" sz="2400" dirty="0" err="1"/>
+              <a:t>MathCAD</a:t>
+            </a:r>
+            <a:endParaRPr lang="en-US" sz="2400" dirty="0"/>
           </a:p>
           <a:p>
             <a:pPr marL="514350" indent="-514350">
@@ -3555,18 +3563,9 @@
               <a:buAutoNum type="arabicPeriod"/>
             </a:pPr>
             <a:r>
-              <a:rPr lang="en-US" sz="2800" dirty="0" err="1"/>
-              <a:t>Onshape</a:t>
-            </a:r>
-            <a:r>
-              <a:rPr lang="en-US" sz="2800" dirty="0"/>
-              <a:t> </a:t>
-            </a:r>
-            <a:r>
-              <a:rPr lang="en-US" sz="2800" dirty="0" err="1"/>
-              <a:t>FeatureScript</a:t>
-            </a:r>
-            <a:endParaRPr lang="en-US" sz="2800" dirty="0"/>
+              <a:rPr lang="en-US" sz="2400" dirty="0"/>
+              <a:t>LabVIEW</a:t>
+            </a:r>
           </a:p>
           <a:p>
             <a:pPr marL="514350" indent="-514350">
@@ -3574,8 +3573,8 @@
               <a:buAutoNum type="arabicPeriod"/>
             </a:pPr>
             <a:r>
-              <a:rPr lang="en-US" sz="2800" dirty="0"/>
-              <a:t> ???? (life long learning!)</a:t>
+              <a:rPr lang="en-US" sz="2400" dirty="0"/>
+              <a:t>Python</a:t>
             </a:r>
           </a:p>
           <a:p>
@@ -3583,7 +3582,36 @@
               <a:buFont typeface="+mj-lt"/>
               <a:buAutoNum type="arabicPeriod"/>
             </a:pPr>
-            <a:endParaRPr lang="en-US" sz="2800" dirty="0"/>
+            <a:r>
+              <a:rPr lang="en-US" sz="2400" dirty="0" err="1"/>
+              <a:t>Onshape</a:t>
+            </a:r>
+            <a:r>
+              <a:rPr lang="en-US" sz="2400" dirty="0"/>
+              <a:t> </a:t>
+            </a:r>
+            <a:r>
+              <a:rPr lang="en-US" sz="2400" dirty="0" err="1"/>
+              <a:t>FeatureScript</a:t>
+            </a:r>
+            <a:endParaRPr lang="en-US" sz="2400" dirty="0"/>
+          </a:p>
+          <a:p>
+            <a:pPr marL="514350" indent="-514350">
+              <a:buFont typeface="+mj-lt"/>
+              <a:buAutoNum type="arabicPeriod"/>
+            </a:pPr>
+            <a:r>
+              <a:rPr lang="en-US" sz="2400" dirty="0"/>
+              <a:t> ???? (life long learning!)</a:t>
+            </a:r>
+          </a:p>
+          <a:p>
+            <a:pPr marL="514350" indent="-514350">
+              <a:buFont typeface="+mj-lt"/>
+              <a:buAutoNum type="arabicPeriod"/>
+            </a:pPr>
+            <a:endParaRPr lang="en-US" sz="2400" dirty="0"/>
           </a:p>
         </p:txBody>
       </p:sp>
@@ -4098,6 +4126,104 @@
                       </p:childTnLst>
                     </p:cTn>
                   </p:par>
+                  <p:par>
+                    <p:cTn id="43" fill="hold">
+                      <p:stCondLst>
+                        <p:cond delay="indefinite"/>
+                      </p:stCondLst>
+                      <p:childTnLst>
+                        <p:par>
+                          <p:cTn id="44" fill="hold">
+                            <p:stCondLst>
+                              <p:cond delay="0"/>
+                            </p:stCondLst>
+                            <p:childTnLst>
+                              <p:par>
+                                <p:cTn id="45" presetID="1" presetClass="entr" presetSubtype="0" fill="hold" grpId="0" nodeType="clickEffect">
+                                  <p:stCondLst>
+                                    <p:cond delay="0"/>
+                                  </p:stCondLst>
+                                  <p:childTnLst>
+                                    <p:set>
+                                      <p:cBhvr>
+                                        <p:cTn id="46" dur="1" fill="hold">
+                                          <p:stCondLst>
+                                            <p:cond delay="0"/>
+                                          </p:stCondLst>
+                                        </p:cTn>
+                                        <p:tgtEl>
+                                          <p:spTgt spid="6">
+                                            <p:txEl>
+                                              <p:pRg st="10" end="10"/>
+                                            </p:txEl>
+                                          </p:spTgt>
+                                        </p:tgtEl>
+                                        <p:attrNameLst>
+                                          <p:attrName>style.visibility</p:attrName>
+                                        </p:attrNameLst>
+                                      </p:cBhvr>
+                                      <p:to>
+                                        <p:strVal val="visible"/>
+                                      </p:to>
+                                    </p:set>
+                                  </p:childTnLst>
+                                </p:cTn>
+                              </p:par>
+                            </p:childTnLst>
+                          </p:cTn>
+                        </p:par>
+                      </p:childTnLst>
+                    </p:cTn>
+                  </p:par>
+                  <p:par>
+                    <p:cTn id="47" fill="hold">
+                      <p:stCondLst>
+                        <p:cond delay="indefinite"/>
+                      </p:stCondLst>
+                      <p:childTnLst>
+                        <p:par>
+                          <p:cTn id="48" fill="hold">
+                            <p:stCondLst>
+                              <p:cond delay="0"/>
+                            </p:stCondLst>
+                            <p:childTnLst>
+                              <p:par>
+                                <p:cTn id="49" presetID="1" presetClass="entr" presetSubtype="0" fill="hold" grpId="0" nodeType="clickEffect">
+                                  <p:stCondLst>
+                                    <p:cond delay="0"/>
+                                  </p:stCondLst>
+                                  <p:childTnLst>
+                                    <p:set>
+                                      <p:cBhvr>
+                                        <p:cTn id="50" dur="1" fill="hold">
+                                          <p:stCondLst>
+                                            <p:cond delay="0"/>
+                                          </p:stCondLst>
+                                        </p:cTn>
+                                        <p:tgtEl>
+                                          <p:spTgt spid="6">
+                                            <p:txEl>
+                                              <p:pRg st="11" end="11"/>
+                                            </p:txEl>
+                                          </p:spTgt>
+                                        </p:tgtEl>
+                                        <p:attrNameLst>
+                                          <p:attrName>style.visibility</p:attrName>
+                                        </p:attrNameLst>
+                                      </p:cBhvr>
+                                      <p:to>
+                                        <p:strVal val="visible"/>
+                                      </p:to>
+                                    </p:set>
+                                  </p:childTnLst>
+                                </p:cTn>
+                              </p:par>
+                            </p:childTnLst>
+                          </p:cTn>
+                        </p:par>
+                      </p:childTnLst>
+                    </p:cTn>
+                  </p:par>
                 </p:childTnLst>
               </p:cTn>
               <p:prevCondLst>
@@ -4453,7 +4579,7 @@
           <a:p>
             <a:r>
               <a:rPr lang="en-US" dirty="0"/>
-              <a:t>Don’t continue to write code if what you’ve written already doesn’t work</a:t>
+              <a:t>Don’t continue to write code if what you’ve written already doesn’t work or if the results don’t make sense</a:t>
             </a:r>
           </a:p>
           <a:p>

--- a/Discussions/Computer languages.pptx
+++ b/Discussions/Computer languages.pptx
@@ -5,16 +5,17 @@
     <p:sldMasterId id="2147483762" r:id="rId1"/>
   </p:sldMasterIdLst>
   <p:notesMasterIdLst>
-    <p:notesMasterId r:id="rId6"/>
+    <p:notesMasterId r:id="rId7"/>
   </p:notesMasterIdLst>
   <p:handoutMasterIdLst>
-    <p:handoutMasterId r:id="rId7"/>
+    <p:handoutMasterId r:id="rId8"/>
   </p:handoutMasterIdLst>
   <p:sldIdLst>
     <p:sldId id="377" r:id="rId2"/>
     <p:sldId id="378" r:id="rId3"/>
-    <p:sldId id="379" r:id="rId4"/>
-    <p:sldId id="380" r:id="rId5"/>
+    <p:sldId id="381" r:id="rId4"/>
+    <p:sldId id="379" r:id="rId5"/>
+    <p:sldId id="380" r:id="rId6"/>
   </p:sldIdLst>
   <p:sldSz cx="12192000" cy="6858000"/>
   <p:notesSz cx="7315200" cy="9601200"/>
@@ -929,7 +930,7 @@
                 </a:solidFill>
               </a:rPr>
               <a:pPr/>
-              <a:t>1/30/2023</a:t>
+              <a:t>1/31/2023</a:t>
             </a:fld>
             <a:endParaRPr lang="en-US">
               <a:solidFill>
@@ -1170,7 +1171,7 @@
                 </a:solidFill>
               </a:rPr>
               <a:pPr/>
-              <a:t>1/30/2023</a:t>
+              <a:t>1/31/2023</a:t>
             </a:fld>
             <a:endParaRPr lang="en-US">
               <a:solidFill>
@@ -1493,7 +1494,7 @@
                 </a:solidFill>
               </a:rPr>
               <a:pPr/>
-              <a:t>1/30/2023</a:t>
+              <a:t>1/31/2023</a:t>
             </a:fld>
             <a:endParaRPr lang="en-US">
               <a:solidFill>
@@ -1954,7 +1955,7 @@
                 </a:solidFill>
               </a:rPr>
               <a:pPr/>
-              <a:t>1/30/2023</a:t>
+              <a:t>1/31/2023</a:t>
             </a:fld>
             <a:endParaRPr lang="en-US">
               <a:solidFill>
@@ -2108,7 +2109,7 @@
                 </a:solidFill>
               </a:rPr>
               <a:pPr/>
-              <a:t>1/30/2023</a:t>
+              <a:t>1/31/2023</a:t>
             </a:fld>
             <a:endParaRPr lang="en-US">
               <a:solidFill>
@@ -2240,7 +2241,7 @@
                 </a:solidFill>
               </a:rPr>
               <a:pPr/>
-              <a:t>1/30/2023</a:t>
+              <a:t>1/31/2023</a:t>
             </a:fld>
             <a:endParaRPr lang="en-US">
               <a:solidFill>
@@ -2560,7 +2561,7 @@
           <a:p>
             <a:fld id="{216E0E02-55D8-4A62-964B-783B05293A72}" type="datetimeFigureOut">
               <a:rPr lang="es-HN" smtClean="0"/>
-              <a:t>30/1/2023</a:t>
+              <a:t>31/1/2023</a:t>
             </a:fld>
             <a:endParaRPr lang="es-HN"/>
           </a:p>
@@ -2815,7 +2816,7 @@
                 <a:cs typeface="Arial" charset="0"/>
               </a:rPr>
               <a:pPr eaLnBrk="1" hangingPunct="1"/>
-              <a:t>1/30/2023</a:t>
+              <a:t>1/31/2023</a:t>
             </a:fld>
             <a:endParaRPr lang="en-US">
               <a:solidFill>
@@ -4393,6 +4394,128 @@
           <p:cNvPr id="2" name="Title 1">
             <a:extLst>
               <a:ext uri="{FF2B5EF4-FFF2-40B4-BE49-F238E27FC236}">
+                <a16:creationId xmlns:a16="http://schemas.microsoft.com/office/drawing/2014/main" id="{AD9B3DCD-DA6C-4919-B746-046314BC5126}"/>
+              </a:ext>
+            </a:extLst>
+          </p:cNvPr>
+          <p:cNvSpPr>
+            <a:spLocks noGrp="1"/>
+          </p:cNvSpPr>
+          <p:nvPr>
+            <p:ph type="title"/>
+          </p:nvPr>
+        </p:nvSpPr>
+        <p:spPr/>
+        <p:txBody>
+          <a:bodyPr/>
+          <a:lstStyle/>
+          <a:p>
+            <a:r>
+              <a:rPr lang="en-US" dirty="0"/>
+              <a:t>We are tool users! What are some tools you have used successfully?</a:t>
+            </a:r>
+          </a:p>
+        </p:txBody>
+      </p:sp>
+      <p:sp>
+        <p:nvSpPr>
+          <p:cNvPr id="3" name="Content Placeholder 2">
+            <a:extLst>
+              <a:ext uri="{FF2B5EF4-FFF2-40B4-BE49-F238E27FC236}">
+                <a16:creationId xmlns:a16="http://schemas.microsoft.com/office/drawing/2014/main" id="{0B1B0BBC-73E4-43D3-8214-5E5A93DE5146}"/>
+              </a:ext>
+            </a:extLst>
+          </p:cNvPr>
+          <p:cNvSpPr>
+            <a:spLocks noGrp="1"/>
+          </p:cNvSpPr>
+          <p:nvPr>
+            <p:ph idx="1"/>
+          </p:nvPr>
+        </p:nvSpPr>
+        <p:spPr/>
+        <p:txBody>
+          <a:bodyPr/>
+          <a:lstStyle/>
+          <a:p>
+            <a:r>
+              <a:rPr lang="en-US" dirty="0"/>
+              <a:t>Random breakout room (3 minutes)</a:t>
+            </a:r>
+          </a:p>
+          <a:p>
+            <a:r>
+              <a:rPr lang="en-US" dirty="0"/>
+              <a:t>Quick Introductions</a:t>
+            </a:r>
+          </a:p>
+          <a:p>
+            <a:r>
+              <a:rPr lang="en-US" dirty="0"/>
+              <a:t>Each person come up with a list of 4 tools you have learned how to use (try to think of less common tools)</a:t>
+            </a:r>
+          </a:p>
+          <a:p>
+            <a:r>
+              <a:rPr lang="en-US" dirty="0"/>
+              <a:t>Share them with each other and eliminate any tools that more than one person had on their list</a:t>
+            </a:r>
+          </a:p>
+          <a:p>
+            <a:r>
+              <a:rPr lang="en-US" dirty="0"/>
+              <a:t>Return to the main room</a:t>
+            </a:r>
+          </a:p>
+          <a:p>
+            <a:r>
+              <a:rPr lang="en-US" dirty="0"/>
+              <a:t>Each person type one tool that you have used successfully into the chat!</a:t>
+            </a:r>
+          </a:p>
+          <a:p>
+            <a:endParaRPr lang="en-US" dirty="0"/>
+          </a:p>
+        </p:txBody>
+      </p:sp>
+    </p:spTree>
+    <p:extLst>
+      <p:ext uri="{BB962C8B-B14F-4D97-AF65-F5344CB8AC3E}">
+        <p14:creationId xmlns:p14="http://schemas.microsoft.com/office/powerpoint/2010/main" val="2831866874"/>
+      </p:ext>
+    </p:extLst>
+  </p:cSld>
+  <p:clrMapOvr>
+    <a:masterClrMapping/>
+  </p:clrMapOvr>
+  <p:transition>
+    <p:fade/>
+  </p:transition>
+</p:sld>
+</file>
+
+<file path=ppt/slides/slide4.xml><?xml version="1.0" encoding="utf-8"?>
+<p:sld xmlns:a="http://schemas.openxmlformats.org/drawingml/2006/main" xmlns:r="http://schemas.openxmlformats.org/officeDocument/2006/relationships" xmlns:p="http://schemas.openxmlformats.org/presentationml/2006/main">
+  <p:cSld>
+    <p:spTree>
+      <p:nvGrpSpPr>
+        <p:cNvPr id="1" name=""/>
+        <p:cNvGrpSpPr/>
+        <p:nvPr/>
+      </p:nvGrpSpPr>
+      <p:grpSpPr>
+        <a:xfrm>
+          <a:off x="0" y="0"/>
+          <a:ext cx="0" cy="0"/>
+          <a:chOff x="0" y="0"/>
+          <a:chExt cx="0" cy="0"/>
+        </a:xfrm>
+      </p:grpSpPr>
+      <p:sp>
+        <p:nvSpPr>
+          <p:cNvPr id="2" name="Title 1">
+            <a:extLst>
+              <a:ext uri="{FF2B5EF4-FFF2-40B4-BE49-F238E27FC236}">
                 <a16:creationId xmlns:a16="http://schemas.microsoft.com/office/drawing/2014/main" id="{01F74599-F9EF-49FB-BE78-92682632B282}"/>
               </a:ext>
             </a:extLst>
@@ -4411,7 +4534,14 @@
           <a:p>
             <a:r>
               <a:rPr lang="en-US" dirty="0"/>
-              <a:t>How do you learn a new language?</a:t>
+              <a:t>How do you learn a new language </a:t>
+            </a:r>
+            <a:br>
+              <a:rPr lang="en-US" dirty="0"/>
+            </a:br>
+            <a:r>
+              <a:rPr lang="en-US" dirty="0"/>
+              <a:t>(or learn how to use a new tool)?</a:t>
             </a:r>
           </a:p>
         </p:txBody>
@@ -4439,7 +4569,7 @@
           <a:p>
             <a:r>
               <a:rPr lang="en-US" dirty="0"/>
-              <a:t>Computer languages share many of the same concepts</a:t>
+              <a:t>Take advantage of the similarities: Computer languages share many of the same concepts</a:t>
             </a:r>
           </a:p>
           <a:p>
@@ -4505,7 +4635,7 @@
 </p:sld>
 </file>
 
-<file path=ppt/slides/slide4.xml><?xml version="1.0" encoding="utf-8"?>
+<file path=ppt/slides/slide5.xml><?xml version="1.0" encoding="utf-8"?>
 <p:sld xmlns:a="http://schemas.openxmlformats.org/drawingml/2006/main" xmlns:r="http://schemas.openxmlformats.org/officeDocument/2006/relationships" xmlns:p="http://schemas.openxmlformats.org/presentationml/2006/main">
   <p:cSld>
     <p:spTree>
